--- a/docs/OpenStack-Ansible-AIO-on-AWS-Presentation.pptx
+++ b/docs/OpenStack-Ansible-AIO-on-AWS-Presentation.pptx
@@ -205,7 +205,7 @@
             <a:fld id="{814910AB-AEF0-414C-82CB-791080B1186B}" type="datetimeFigureOut">
               <a:rPr lang="en-US" smtClean="0"/>
               <a:pPr/>
-              <a:t>12/15/2016</a:t>
+              <a:t>1/25/2017</a:t>
             </a:fld>
             <a:endParaRPr lang="en-US" dirty="0"/>
           </a:p>
@@ -279,6 +279,11 @@
         </p:txBody>
       </p:sp>
     </p:spTree>
+    <p:extLst>
+      <p:ext uri="{BB962C8B-B14F-4D97-AF65-F5344CB8AC3E}">
+        <p14:creationId xmlns:p14="http://schemas.microsoft.com/office/powerpoint/2010/main" val="3027702086"/>
+      </p:ext>
+    </p:extLst>
   </p:cSld>
   <p:clrMap bg1="lt1" tx1="dk1" bg2="lt2" tx2="dk2" accent1="accent1" accent2="accent2" accent3="accent3" accent4="accent4" accent5="accent5" accent6="accent6" hlink="hlink" folHlink="folHlink"/>
 </p:handoutMaster>
@@ -367,7 +372,7 @@
             <a:fld id="{5B4AE38D-E020-46F3-803D-8636C5B7B74E}" type="datetimeFigureOut">
               <a:rPr lang="en-US" smtClean="0"/>
               <a:pPr/>
-              <a:t>12/15/2016</a:t>
+              <a:t>1/25/2017</a:t>
             </a:fld>
             <a:endParaRPr lang="en-US" dirty="0"/>
           </a:p>
@@ -536,6 +541,11 @@
         </p:txBody>
       </p:sp>
     </p:spTree>
+    <p:extLst>
+      <p:ext uri="{BB962C8B-B14F-4D97-AF65-F5344CB8AC3E}">
+        <p14:creationId xmlns:p14="http://schemas.microsoft.com/office/powerpoint/2010/main" val="2691298901"/>
+      </p:ext>
+    </p:extLst>
   </p:cSld>
   <p:clrMap bg1="lt1" tx1="dk1" bg2="lt2" tx2="dk2" accent1="accent1" accent2="accent2" accent3="accent3" accent4="accent4" accent5="accent5" accent6="accent6" hlink="hlink" folHlink="folHlink"/>
   <p:notesStyle>
@@ -940,7 +950,7 @@
             <a:fld id="{7DDB771E-4AED-4DD3-8AA1-5D9FD2224F14}" type="datetimeFigureOut">
               <a:rPr lang="en-US" smtClean="0"/>
               <a:pPr/>
-              <a:t>12/15/2016</a:t>
+              <a:t>1/25/2017</a:t>
             </a:fld>
             <a:endParaRPr lang="en-US" dirty="0"/>
           </a:p>
@@ -1107,7 +1117,7 @@
             <a:fld id="{7DDB771E-4AED-4DD3-8AA1-5D9FD2224F14}" type="datetimeFigureOut">
               <a:rPr lang="en-US" smtClean="0"/>
               <a:pPr/>
-              <a:t>12/15/2016</a:t>
+              <a:t>1/25/2017</a:t>
             </a:fld>
             <a:endParaRPr lang="en-US" dirty="0"/>
           </a:p>
@@ -1284,7 +1294,7 @@
             <a:fld id="{7DDB771E-4AED-4DD3-8AA1-5D9FD2224F14}" type="datetimeFigureOut">
               <a:rPr lang="en-US" smtClean="0"/>
               <a:pPr/>
-              <a:t>12/15/2016</a:t>
+              <a:t>1/25/2017</a:t>
             </a:fld>
             <a:endParaRPr lang="en-US" dirty="0"/>
           </a:p>
@@ -1451,7 +1461,7 @@
             <a:fld id="{7DDB771E-4AED-4DD3-8AA1-5D9FD2224F14}" type="datetimeFigureOut">
               <a:rPr lang="en-US" smtClean="0"/>
               <a:pPr/>
-              <a:t>12/15/2016</a:t>
+              <a:t>1/25/2017</a:t>
             </a:fld>
             <a:endParaRPr lang="en-US" dirty="0"/>
           </a:p>
@@ -1694,7 +1704,7 @@
             <a:fld id="{7DDB771E-4AED-4DD3-8AA1-5D9FD2224F14}" type="datetimeFigureOut">
               <a:rPr lang="en-US" smtClean="0"/>
               <a:pPr/>
-              <a:t>12/15/2016</a:t>
+              <a:t>1/25/2017</a:t>
             </a:fld>
             <a:endParaRPr lang="en-US" dirty="0"/>
           </a:p>
@@ -1979,7 +1989,7 @@
             <a:fld id="{7DDB771E-4AED-4DD3-8AA1-5D9FD2224F14}" type="datetimeFigureOut">
               <a:rPr lang="en-US" smtClean="0"/>
               <a:pPr/>
-              <a:t>12/15/2016</a:t>
+              <a:t>1/25/2017</a:t>
             </a:fld>
             <a:endParaRPr lang="en-US" dirty="0"/>
           </a:p>
@@ -2398,7 +2408,7 @@
             <a:fld id="{7DDB771E-4AED-4DD3-8AA1-5D9FD2224F14}" type="datetimeFigureOut">
               <a:rPr lang="en-US" smtClean="0"/>
               <a:pPr/>
-              <a:t>12/15/2016</a:t>
+              <a:t>1/25/2017</a:t>
             </a:fld>
             <a:endParaRPr lang="en-US" dirty="0"/>
           </a:p>
@@ -2513,7 +2523,7 @@
             <a:fld id="{7DDB771E-4AED-4DD3-8AA1-5D9FD2224F14}" type="datetimeFigureOut">
               <a:rPr lang="en-US" smtClean="0"/>
               <a:pPr/>
-              <a:t>12/15/2016</a:t>
+              <a:t>1/25/2017</a:t>
             </a:fld>
             <a:endParaRPr lang="en-US" dirty="0"/>
           </a:p>
@@ -2605,7 +2615,7 @@
             <a:fld id="{7DDB771E-4AED-4DD3-8AA1-5D9FD2224F14}" type="datetimeFigureOut">
               <a:rPr lang="en-US" smtClean="0"/>
               <a:pPr/>
-              <a:t>12/15/2016</a:t>
+              <a:t>1/25/2017</a:t>
             </a:fld>
             <a:endParaRPr lang="en-US" dirty="0"/>
           </a:p>
@@ -2879,7 +2889,7 @@
             <a:fld id="{7DDB771E-4AED-4DD3-8AA1-5D9FD2224F14}" type="datetimeFigureOut">
               <a:rPr lang="en-US" smtClean="0"/>
               <a:pPr/>
-              <a:t>12/15/2016</a:t>
+              <a:t>1/25/2017</a:t>
             </a:fld>
             <a:endParaRPr lang="en-US" dirty="0"/>
           </a:p>
@@ -3129,7 +3139,7 @@
             <a:fld id="{7DDB771E-4AED-4DD3-8AA1-5D9FD2224F14}" type="datetimeFigureOut">
               <a:rPr lang="en-US" smtClean="0"/>
               <a:pPr/>
-              <a:t>12/15/2016</a:t>
+              <a:t>1/25/2017</a:t>
             </a:fld>
             <a:endParaRPr lang="en-US" dirty="0"/>
           </a:p>
@@ -3339,7 +3349,7 @@
             <a:fld id="{7DDB771E-4AED-4DD3-8AA1-5D9FD2224F14}" type="datetimeFigureOut">
               <a:rPr lang="en-US" smtClean="0"/>
               <a:pPr/>
-              <a:t>12/15/2016</a:t>
+              <a:t>1/25/2017</a:t>
             </a:fld>
             <a:endParaRPr lang="en-US" dirty="0"/>
           </a:p>
@@ -3718,8 +3728,8 @@
         </p:nvSpPr>
         <p:spPr>
           <a:xfrm>
-            <a:off x="3092721" y="3828874"/>
-            <a:ext cx="2703432" cy="923330"/>
+            <a:off x="3165465" y="3828874"/>
+            <a:ext cx="2557943" cy="923330"/>
           </a:xfrm>
           <a:prstGeom prst="rect">
             <a:avLst/>
@@ -3735,23 +3745,22 @@
             <a:pPr algn="ctr"/>
             <a:r>
               <a:rPr lang="en-US" dirty="0" smtClean="0"/>
-              <a:t>kirk.kalvar@kal.technology</a:t>
+              <a:t>Kirk Kalvar</a:t>
             </a:r>
           </a:p>
           <a:p>
             <a:pPr algn="ctr"/>
             <a:r>
               <a:rPr lang="en-US" dirty="0" smtClean="0"/>
-              <a:t>@kskalvar</a:t>
+              <a:t>Senior Software Engineer</a:t>
             </a:r>
           </a:p>
           <a:p>
             <a:pPr algn="ctr"/>
             <a:r>
               <a:rPr lang="en-US" dirty="0" smtClean="0"/>
-              <a:t>(cell) 703-628-7677</a:t>
-            </a:r>
-            <a:endParaRPr lang="en-US" dirty="0"/>
+              <a:t>KAL Technology</a:t>
+            </a:r>
           </a:p>
         </p:txBody>
       </p:sp>
@@ -4052,16 +4061,6 @@
             </a:pPr>
             <a:r>
               <a:rPr lang="en-US" dirty="0" smtClean="0"/>
-              <a:t>  Senior Software Engineer</a:t>
-            </a:r>
-          </a:p>
-          <a:p>
-            <a:pPr>
-              <a:buFont typeface="Arial" pitchFamily="34" charset="0"/>
-              <a:buChar char="•"/>
-            </a:pPr>
-            <a:r>
-              <a:rPr lang="en-US" dirty="0" smtClean="0"/>
               <a:t>  Motivation:</a:t>
             </a:r>
           </a:p>
@@ -4072,8 +4071,24 @@
             </a:pPr>
             <a:r>
               <a:rPr lang="en-US" dirty="0" smtClean="0"/>
-              <a:t>  Learn OpenStack</a:t>
-            </a:r>
+              <a:t>  Learn </a:t>
+            </a:r>
+            <a:r>
+              <a:rPr lang="en-US" dirty="0" smtClean="0"/>
+              <a:t>OpenStack</a:t>
+            </a:r>
+            <a:endParaRPr lang="en-US" dirty="0"/>
+          </a:p>
+          <a:p>
+            <a:pPr lvl="1">
+              <a:buFont typeface="Arial" pitchFamily="34" charset="0"/>
+              <a:buChar char="•"/>
+            </a:pPr>
+            <a:r>
+              <a:rPr lang="en-US" dirty="0" smtClean="0"/>
+              <a:t>  Deploy Kubernetes for container orchestration</a:t>
+            </a:r>
+            <a:endParaRPr lang="en-US" dirty="0" smtClean="0"/>
           </a:p>
         </p:txBody>
       </p:sp>
@@ -4359,7 +4374,7 @@
             <a:pPr lvl="0"/>
             <a:r>
               <a:rPr lang="en-US" dirty="0" smtClean="0"/>
-              <a:t>OpenStack Ansible (AIO) provides the ability to build OpenStack Ansible on a single Virtual Machine</a:t>
+              <a:t>OpenStack Ansible provides the ability to build OpenStack Ansible on a single Virtual Machine</a:t>
             </a:r>
           </a:p>
           <a:p>
@@ -4525,8 +4540,9 @@
             </a:pPr>
             <a:r>
               <a:rPr lang="en-US" dirty="0" smtClean="0"/>
-              <a:t>  Recommended server resources (c3.2xlarge)</a:t>
-            </a:r>
+              <a:t>  Recommended server resources </a:t>
+            </a:r>
+            <a:endParaRPr lang="en-US" dirty="0" smtClean="0"/>
           </a:p>
           <a:p>
             <a:pPr lvl="1">
@@ -4535,7 +4551,11 @@
             </a:pPr>
             <a:r>
               <a:rPr lang="en-US" dirty="0" smtClean="0"/>
-              <a:t>  8 CPU Cores</a:t>
+              <a:t>  </a:t>
+            </a:r>
+            <a:r>
+              <a:rPr lang="en-US" dirty="0" smtClean="0"/>
+              <a:t>8 CPU Cores</a:t>
             </a:r>
           </a:p>
           <a:p>
@@ -4589,15 +4609,7 @@
             </a:pPr>
             <a:r>
               <a:rPr lang="en-US" dirty="0" smtClean="0"/>
-              <a:t>  Recommend </a:t>
-            </a:r>
-            <a:r>
-              <a:rPr lang="en-US" dirty="0" smtClean="0"/>
-              <a:t>use of AWS </a:t>
-            </a:r>
-            <a:r>
-              <a:rPr lang="en-US" dirty="0" smtClean="0"/>
-              <a:t>Spot Instances (10 to 20 cents an hour)</a:t>
+              <a:t>  Recommend use of AWS Spot Instances (~10 cents an hour)</a:t>
             </a:r>
           </a:p>
           <a:p>
@@ -4614,7 +4626,7 @@
             </a:pPr>
             <a:r>
               <a:rPr lang="en-US" dirty="0" smtClean="0"/>
-              <a:t>  Installation time ~ 50 minutes	</a:t>
+              <a:t>  Installation time ~60 minutes	</a:t>
             </a:r>
           </a:p>
         </p:txBody>
@@ -4814,7 +4826,7 @@
           </a:p>
           <a:p>
             <a:r>
-              <a:rPr lang="en-US" sz="1400" dirty="0" smtClean="0"/>
+              <a:rPr lang="en-US" sz="1400" b="1" dirty="0" smtClean="0"/>
               <a:t>scripts/bootstrap-ansible.sh</a:t>
             </a:r>
           </a:p>
@@ -4935,7 +4947,7 @@
         <p:spPr>
           <a:xfrm>
             <a:off x="857123" y="2024775"/>
-            <a:ext cx="7515090" cy="923330"/>
+            <a:ext cx="7515090" cy="1200329"/>
           </a:xfrm>
           <a:prstGeom prst="rect">
             <a:avLst/>
@@ -4975,6 +4987,20 @@
             <a:r>
               <a:rPr lang="en-US" dirty="0" smtClean="0"/>
               <a:t>  Log into OpenStack Console</a:t>
+            </a:r>
+          </a:p>
+          <a:p>
+            <a:pPr lvl="1">
+              <a:buFont typeface="Arial" pitchFamily="34" charset="0"/>
+              <a:buChar char="•"/>
+            </a:pPr>
+            <a:r>
+              <a:rPr lang="en-US" dirty="0"/>
+              <a:t> </a:t>
+            </a:r>
+            <a:r>
+              <a:rPr lang="en-US" dirty="0" smtClean="0"/>
+              <a:t> Attach to the utility container and show command line interface</a:t>
             </a:r>
           </a:p>
         </p:txBody>
@@ -5028,7 +5054,7 @@
           <a:p>
             <a:r>
               <a:rPr lang="en-US" dirty="0" smtClean="0"/>
-              <a:t>Work In Progress</a:t>
+              <a:t>Challenges</a:t>
             </a:r>
             <a:endParaRPr lang="en-US" dirty="0"/>
           </a:p>
@@ -5086,13 +5112,16 @@
             </a:pPr>
             <a:r>
               <a:rPr lang="en-US" dirty="0" smtClean="0"/>
-              <a:t>  Nested Virtualization (</a:t>
+              <a:t>  Nested Virtualization </a:t>
             </a:r>
             <a:r>
               <a:rPr lang="en-US" dirty="0" smtClean="0"/>
-              <a:t>uses QEMU) </a:t>
-            </a:r>
-            <a:endParaRPr lang="en-US" dirty="0" smtClean="0"/>
+              <a:t>(QEMU</a:t>
+            </a:r>
+            <a:r>
+              <a:rPr lang="en-US" dirty="0" smtClean="0"/>
+              <a:t>) </a:t>
+            </a:r>
           </a:p>
           <a:p>
             <a:pPr>
@@ -5101,15 +5130,7 @@
             </a:pPr>
             <a:r>
               <a:rPr lang="en-US" dirty="0" smtClean="0"/>
-              <a:t>  Networking (neutron in AWS environment</a:t>
-            </a:r>
-            <a:r>
-              <a:rPr lang="en-US" dirty="0" smtClean="0"/>
-              <a:t>)</a:t>
-            </a:r>
-            <a:r>
-              <a:rPr lang="en-US" dirty="0" smtClean="0"/>
-              <a:t>	</a:t>
+              <a:t>  Networking (neutron in AWS environment)	</a:t>
             </a:r>
           </a:p>
         </p:txBody>
